--- a/hies_wrangling_flow.pptx
+++ b/hies_wrangling_flow.pptx
@@ -262,7 +262,7 @@
           <a:p>
             <a:fld id="{45E4F40B-0788-420B-9F14-F3DAE96A64E9}" type="datetimeFigureOut">
               <a:rPr lang="en-MY" smtClean="0"/>
-              <a:t>20/06/2023</a:t>
+              <a:t>21/06/2023</a:t>
             </a:fld>
             <a:endParaRPr lang="en-MY"/>
           </a:p>
@@ -462,7 +462,7 @@
           <a:p>
             <a:fld id="{45E4F40B-0788-420B-9F14-F3DAE96A64E9}" type="datetimeFigureOut">
               <a:rPr lang="en-MY" smtClean="0"/>
-              <a:t>20/06/2023</a:t>
+              <a:t>21/06/2023</a:t>
             </a:fld>
             <a:endParaRPr lang="en-MY"/>
           </a:p>
@@ -672,7 +672,7 @@
           <a:p>
             <a:fld id="{45E4F40B-0788-420B-9F14-F3DAE96A64E9}" type="datetimeFigureOut">
               <a:rPr lang="en-MY" smtClean="0"/>
-              <a:t>20/06/2023</a:t>
+              <a:t>21/06/2023</a:t>
             </a:fld>
             <a:endParaRPr lang="en-MY"/>
           </a:p>
@@ -1129,7 +1129,7 @@
           <a:p>
             <a:fld id="{45E4F40B-0788-420B-9F14-F3DAE96A64E9}" type="datetimeFigureOut">
               <a:rPr lang="en-MY" smtClean="0"/>
-              <a:t>20/06/2023</a:t>
+              <a:t>21/06/2023</a:t>
             </a:fld>
             <a:endParaRPr lang="en-MY"/>
           </a:p>
@@ -1405,7 +1405,7 @@
           <a:p>
             <a:fld id="{45E4F40B-0788-420B-9F14-F3DAE96A64E9}" type="datetimeFigureOut">
               <a:rPr lang="en-MY" smtClean="0"/>
-              <a:t>20/06/2023</a:t>
+              <a:t>21/06/2023</a:t>
             </a:fld>
             <a:endParaRPr lang="en-MY"/>
           </a:p>
@@ -1673,7 +1673,7 @@
           <a:p>
             <a:fld id="{45E4F40B-0788-420B-9F14-F3DAE96A64E9}" type="datetimeFigureOut">
               <a:rPr lang="en-MY" smtClean="0"/>
-              <a:t>20/06/2023</a:t>
+              <a:t>21/06/2023</a:t>
             </a:fld>
             <a:endParaRPr lang="en-MY"/>
           </a:p>
@@ -2088,7 +2088,7 @@
           <a:p>
             <a:fld id="{45E4F40B-0788-420B-9F14-F3DAE96A64E9}" type="datetimeFigureOut">
               <a:rPr lang="en-MY" smtClean="0"/>
-              <a:t>20/06/2023</a:t>
+              <a:t>21/06/2023</a:t>
             </a:fld>
             <a:endParaRPr lang="en-MY"/>
           </a:p>
@@ -2230,7 +2230,7 @@
           <a:p>
             <a:fld id="{45E4F40B-0788-420B-9F14-F3DAE96A64E9}" type="datetimeFigureOut">
               <a:rPr lang="en-MY" smtClean="0"/>
-              <a:t>20/06/2023</a:t>
+              <a:t>21/06/2023</a:t>
             </a:fld>
             <a:endParaRPr lang="en-MY"/>
           </a:p>
@@ -2343,7 +2343,7 @@
           <a:p>
             <a:fld id="{45E4F40B-0788-420B-9F14-F3DAE96A64E9}" type="datetimeFigureOut">
               <a:rPr lang="en-MY" smtClean="0"/>
-              <a:t>20/06/2023</a:t>
+              <a:t>21/06/2023</a:t>
             </a:fld>
             <a:endParaRPr lang="en-MY"/>
           </a:p>
@@ -2656,7 +2656,7 @@
           <a:p>
             <a:fld id="{45E4F40B-0788-420B-9F14-F3DAE96A64E9}" type="datetimeFigureOut">
               <a:rPr lang="en-MY" smtClean="0"/>
-              <a:t>20/06/2023</a:t>
+              <a:t>21/06/2023</a:t>
             </a:fld>
             <a:endParaRPr lang="en-MY"/>
           </a:p>
@@ -2945,7 +2945,7 @@
           <a:p>
             <a:fld id="{45E4F40B-0788-420B-9F14-F3DAE96A64E9}" type="datetimeFigureOut">
               <a:rPr lang="en-MY" smtClean="0"/>
-              <a:t>20/06/2023</a:t>
+              <a:t>21/06/2023</a:t>
             </a:fld>
             <a:endParaRPr lang="en-MY"/>
           </a:p>
@@ -3188,7 +3188,7 @@
           <a:p>
             <a:fld id="{45E4F40B-0788-420B-9F14-F3DAE96A64E9}" type="datetimeFigureOut">
               <a:rPr lang="en-MY" smtClean="0"/>
-              <a:t>20/06/2023</a:t>
+              <a:t>21/06/2023</a:t>
             </a:fld>
             <a:endParaRPr lang="en-MY"/>
           </a:p>
@@ -3620,8 +3620,8 @@
         </p:nvSpPr>
         <p:spPr>
           <a:xfrm>
-            <a:off x="3324372" y="384717"/>
-            <a:ext cx="5543256" cy="400110"/>
+            <a:off x="3324372" y="301592"/>
+            <a:ext cx="5543256" cy="646331"/>
           </a:xfrm>
           <a:prstGeom prst="rect">
             <a:avLst/>
@@ -3642,6 +3642,18 @@
               <a:t>Household-level cross-sections (2014, 2016, 2019)</a:t>
             </a:r>
           </a:p>
+          <a:p>
+            <a:pPr algn="ctr"/>
+            <a:r>
+              <a:rPr lang="en-MY" sz="1600" dirty="0">
+                <a:latin typeface="Garamond" panose="02020404030301010803" pitchFamily="18" charset="0"/>
+              </a:rPr>
+              <a:t>Restrict to Malaysian households</a:t>
+            </a:r>
+            <a:endParaRPr lang="en-MY" dirty="0">
+              <a:latin typeface="Garamond" panose="02020404030301010803" pitchFamily="18" charset="0"/>
+            </a:endParaRPr>
+          </a:p>
         </p:txBody>
       </p:sp>
       <p:sp>
@@ -3658,7 +3670,7 @@
         </p:nvSpPr>
         <p:spPr>
           <a:xfrm>
-            <a:off x="4897091" y="1161051"/>
+            <a:off x="4897091" y="1269782"/>
             <a:ext cx="2397819" cy="400110"/>
           </a:xfrm>
           <a:prstGeom prst="rect">
@@ -3819,8 +3831,8 @@
         </p:nvCxnSpPr>
         <p:spPr>
           <a:xfrm>
-            <a:off x="6096000" y="784827"/>
-            <a:ext cx="1" cy="376224"/>
+            <a:off x="6096000" y="947923"/>
+            <a:ext cx="1" cy="321859"/>
           </a:xfrm>
           <a:prstGeom prst="straightConnector1">
             <a:avLst/>
@@ -3865,8 +3877,8 @@
         </p:nvCxnSpPr>
         <p:spPr>
           <a:xfrm flipH="1">
-            <a:off x="6096000" y="1561161"/>
-            <a:ext cx="1" cy="376224"/>
+            <a:off x="6096000" y="1669892"/>
+            <a:ext cx="1" cy="321859"/>
           </a:xfrm>
           <a:prstGeom prst="straightConnector1">
             <a:avLst/>
@@ -3907,7 +3919,7 @@
         </p:nvSpPr>
         <p:spPr>
           <a:xfrm>
-            <a:off x="3794205" y="1937385"/>
+            <a:off x="3794205" y="1991751"/>
             <a:ext cx="4603590" cy="2098908"/>
           </a:xfrm>
           <a:prstGeom prst="rect">
@@ -4027,8 +4039,8 @@
         </p:nvCxnSpPr>
         <p:spPr>
           <a:xfrm>
-            <a:off x="6096000" y="4036293"/>
-            <a:ext cx="1" cy="376224"/>
+            <a:off x="6096000" y="4090659"/>
+            <a:ext cx="1" cy="321858"/>
           </a:xfrm>
           <a:prstGeom prst="straightConnector1">
             <a:avLst/>

--- a/hies_wrangling_flow.pptx
+++ b/hies_wrangling_flow.pptx
@@ -262,7 +262,7 @@
           <a:p>
             <a:fld id="{45E4F40B-0788-420B-9F14-F3DAE96A64E9}" type="datetimeFigureOut">
               <a:rPr lang="en-MY" smtClean="0"/>
-              <a:t>21/06/2023</a:t>
+              <a:t>04/01/2024</a:t>
             </a:fld>
             <a:endParaRPr lang="en-MY"/>
           </a:p>
@@ -462,7 +462,7 @@
           <a:p>
             <a:fld id="{45E4F40B-0788-420B-9F14-F3DAE96A64E9}" type="datetimeFigureOut">
               <a:rPr lang="en-MY" smtClean="0"/>
-              <a:t>21/06/2023</a:t>
+              <a:t>04/01/2024</a:t>
             </a:fld>
             <a:endParaRPr lang="en-MY"/>
           </a:p>
@@ -672,7 +672,7 @@
           <a:p>
             <a:fld id="{45E4F40B-0788-420B-9F14-F3DAE96A64E9}" type="datetimeFigureOut">
               <a:rPr lang="en-MY" smtClean="0"/>
-              <a:t>21/06/2023</a:t>
+              <a:t>04/01/2024</a:t>
             </a:fld>
             <a:endParaRPr lang="en-MY"/>
           </a:p>
@@ -1129,7 +1129,7 @@
           <a:p>
             <a:fld id="{45E4F40B-0788-420B-9F14-F3DAE96A64E9}" type="datetimeFigureOut">
               <a:rPr lang="en-MY" smtClean="0"/>
-              <a:t>21/06/2023</a:t>
+              <a:t>04/01/2024</a:t>
             </a:fld>
             <a:endParaRPr lang="en-MY"/>
           </a:p>
@@ -1405,7 +1405,7 @@
           <a:p>
             <a:fld id="{45E4F40B-0788-420B-9F14-F3DAE96A64E9}" type="datetimeFigureOut">
               <a:rPr lang="en-MY" smtClean="0"/>
-              <a:t>21/06/2023</a:t>
+              <a:t>04/01/2024</a:t>
             </a:fld>
             <a:endParaRPr lang="en-MY"/>
           </a:p>
@@ -1673,7 +1673,7 @@
           <a:p>
             <a:fld id="{45E4F40B-0788-420B-9F14-F3DAE96A64E9}" type="datetimeFigureOut">
               <a:rPr lang="en-MY" smtClean="0"/>
-              <a:t>21/06/2023</a:t>
+              <a:t>04/01/2024</a:t>
             </a:fld>
             <a:endParaRPr lang="en-MY"/>
           </a:p>
@@ -2088,7 +2088,7 @@
           <a:p>
             <a:fld id="{45E4F40B-0788-420B-9F14-F3DAE96A64E9}" type="datetimeFigureOut">
               <a:rPr lang="en-MY" smtClean="0"/>
-              <a:t>21/06/2023</a:t>
+              <a:t>04/01/2024</a:t>
             </a:fld>
             <a:endParaRPr lang="en-MY"/>
           </a:p>
@@ -2230,7 +2230,7 @@
           <a:p>
             <a:fld id="{45E4F40B-0788-420B-9F14-F3DAE96A64E9}" type="datetimeFigureOut">
               <a:rPr lang="en-MY" smtClean="0"/>
-              <a:t>21/06/2023</a:t>
+              <a:t>04/01/2024</a:t>
             </a:fld>
             <a:endParaRPr lang="en-MY"/>
           </a:p>
@@ -2343,7 +2343,7 @@
           <a:p>
             <a:fld id="{45E4F40B-0788-420B-9F14-F3DAE96A64E9}" type="datetimeFigureOut">
               <a:rPr lang="en-MY" smtClean="0"/>
-              <a:t>21/06/2023</a:t>
+              <a:t>04/01/2024</a:t>
             </a:fld>
             <a:endParaRPr lang="en-MY"/>
           </a:p>
@@ -2656,7 +2656,7 @@
           <a:p>
             <a:fld id="{45E4F40B-0788-420B-9F14-F3DAE96A64E9}" type="datetimeFigureOut">
               <a:rPr lang="en-MY" smtClean="0"/>
-              <a:t>21/06/2023</a:t>
+              <a:t>04/01/2024</a:t>
             </a:fld>
             <a:endParaRPr lang="en-MY"/>
           </a:p>
@@ -2945,7 +2945,7 @@
           <a:p>
             <a:fld id="{45E4F40B-0788-420B-9F14-F3DAE96A64E9}" type="datetimeFigureOut">
               <a:rPr lang="en-MY" smtClean="0"/>
-              <a:t>21/06/2023</a:t>
+              <a:t>04/01/2024</a:t>
             </a:fld>
             <a:endParaRPr lang="en-MY"/>
           </a:p>
@@ -3188,7 +3188,7 @@
           <a:p>
             <a:fld id="{45E4F40B-0788-420B-9F14-F3DAE96A64E9}" type="datetimeFigureOut">
               <a:rPr lang="en-MY" smtClean="0"/>
-              <a:t>21/06/2023</a:t>
+              <a:t>04/01/2024</a:t>
             </a:fld>
             <a:endParaRPr lang="en-MY"/>
           </a:p>
@@ -3620,8 +3620,8 @@
         </p:nvSpPr>
         <p:spPr>
           <a:xfrm>
-            <a:off x="3324372" y="301592"/>
-            <a:ext cx="5543256" cy="646331"/>
+            <a:off x="3094724" y="301592"/>
+            <a:ext cx="6002552" cy="646331"/>
           </a:xfrm>
           <a:prstGeom prst="rect">
             <a:avLst/>
@@ -3639,7 +3639,7 @@
               <a:rPr lang="en-MY" sz="2000" b="1" dirty="0">
                 <a:latin typeface="Garamond" panose="02020404030301010803" pitchFamily="18" charset="0"/>
               </a:rPr>
-              <a:t>Household-level cross-sections (2014, 2016, 2019)</a:t>
+              <a:t>Household-level cross-sections (2014, 2016, 2019, 2022)</a:t>
             </a:r>
           </a:p>
           <a:p>
@@ -3648,11 +3648,8 @@
               <a:rPr lang="en-MY" sz="1600" dirty="0">
                 <a:latin typeface="Garamond" panose="02020404030301010803" pitchFamily="18" charset="0"/>
               </a:rPr>
-              <a:t>Restrict to Malaysian households</a:t>
-            </a:r>
-            <a:endParaRPr lang="en-MY" dirty="0">
-              <a:latin typeface="Garamond" panose="02020404030301010803" pitchFamily="18" charset="0"/>
-            </a:endParaRPr>
+              <a:t>Restrict to Malaysian household</a:t>
+            </a:r>
           </a:p>
         </p:txBody>
       </p:sp>
@@ -4099,10 +4096,10 @@
       </p:grpSpPr>
       <p:sp>
         <p:nvSpPr>
-          <p:cNvPr id="8" name="TextBox 7">
-            <a:extLst>
-              <a:ext uri="{FF2B5EF4-FFF2-40B4-BE49-F238E27FC236}">
-                <a16:creationId xmlns:a16="http://schemas.microsoft.com/office/drawing/2014/main" id="{2562A440-6727-1A77-6C88-37A06A44F6BC}"/>
+          <p:cNvPr id="9" name="TextBox 8">
+            <a:extLst>
+              <a:ext uri="{FF2B5EF4-FFF2-40B4-BE49-F238E27FC236}">
+                <a16:creationId xmlns:a16="http://schemas.microsoft.com/office/drawing/2014/main" id="{B8216F38-49AB-C0AB-66A4-178928C78D66}"/>
               </a:ext>
             </a:extLst>
           </p:cNvPr>
@@ -4111,8 +4108,8 @@
         </p:nvSpPr>
         <p:spPr>
           <a:xfrm>
-            <a:off x="2995590" y="5565440"/>
-            <a:ext cx="6200821" cy="1015663"/>
+            <a:off x="3068807" y="662242"/>
+            <a:ext cx="6054387" cy="400110"/>
           </a:xfrm>
           <a:prstGeom prst="rect">
             <a:avLst/>
@@ -4130,17 +4127,17 @@
               <a:rPr lang="en-MY" sz="2000" b="1" dirty="0">
                 <a:latin typeface="Garamond" panose="02020404030301010803" pitchFamily="18" charset="0"/>
               </a:rPr>
-              <a:t>By income groups, report adjusted association between spending and transfers, also commonly referred to as the marginal propensity to consume from transfers</a:t>
-            </a:r>
-          </a:p>
-        </p:txBody>
-      </p:sp>
-      <p:sp>
-        <p:nvSpPr>
-          <p:cNvPr id="9" name="TextBox 8">
-            <a:extLst>
-              <a:ext uri="{FF2B5EF4-FFF2-40B4-BE49-F238E27FC236}">
-                <a16:creationId xmlns:a16="http://schemas.microsoft.com/office/drawing/2014/main" id="{B8216F38-49AB-C0AB-66A4-178928C78D66}"/>
+              <a:t>Household-level cross-sections (2014, 2016, 2019, 2022)</a:t>
+            </a:r>
+          </a:p>
+        </p:txBody>
+      </p:sp>
+      <p:sp>
+        <p:nvSpPr>
+          <p:cNvPr id="10" name="TextBox 9">
+            <a:extLst>
+              <a:ext uri="{FF2B5EF4-FFF2-40B4-BE49-F238E27FC236}">
+                <a16:creationId xmlns:a16="http://schemas.microsoft.com/office/drawing/2014/main" id="{6948C7EB-EB8C-2E0B-5DC7-34509286D30B}"/>
               </a:ext>
             </a:extLst>
           </p:cNvPr>
@@ -4149,45 +4146,7 @@
         </p:nvSpPr>
         <p:spPr>
           <a:xfrm>
-            <a:off x="3300437" y="228137"/>
-            <a:ext cx="5591127" cy="400110"/>
-          </a:xfrm>
-          <a:prstGeom prst="rect">
-            <a:avLst/>
-          </a:prstGeom>
-          <a:noFill/>
-        </p:spPr>
-        <p:txBody>
-          <a:bodyPr wrap="square" rtlCol="0">
-            <a:spAutoFit/>
-          </a:bodyPr>
-          <a:lstStyle/>
-          <a:p>
-            <a:pPr algn="ctr"/>
-            <a:r>
-              <a:rPr lang="en-MY" sz="2000" b="1" dirty="0">
-                <a:latin typeface="Garamond" panose="02020404030301010803" pitchFamily="18" charset="0"/>
-              </a:rPr>
-              <a:t>Household-level cross-sections (2014, 2016, 2019)</a:t>
-            </a:r>
-          </a:p>
-        </p:txBody>
-      </p:sp>
-      <p:sp>
-        <p:nvSpPr>
-          <p:cNvPr id="10" name="TextBox 9">
-            <a:extLst>
-              <a:ext uri="{FF2B5EF4-FFF2-40B4-BE49-F238E27FC236}">
-                <a16:creationId xmlns:a16="http://schemas.microsoft.com/office/drawing/2014/main" id="{6948C7EB-EB8C-2E0B-5DC7-34509286D30B}"/>
-              </a:ext>
-            </a:extLst>
-          </p:cNvPr>
-          <p:cNvSpPr txBox="1"/>
-          <p:nvPr/>
-        </p:nvSpPr>
-        <p:spPr>
-          <a:xfrm>
-            <a:off x="3834418" y="871467"/>
+            <a:off x="3834418" y="1305572"/>
             <a:ext cx="4523164" cy="646331"/>
           </a:xfrm>
           <a:prstGeom prst="rect">
@@ -4234,7 +4193,7 @@
         </p:nvSpPr>
         <p:spPr>
           <a:xfrm>
-            <a:off x="3518339" y="2712124"/>
+            <a:off x="3518339" y="3146229"/>
             <a:ext cx="5155323" cy="707886"/>
           </a:xfrm>
           <a:prstGeom prst="rect">
@@ -4272,7 +4231,7 @@
         </p:nvSpPr>
         <p:spPr>
           <a:xfrm>
-            <a:off x="3309912" y="4614336"/>
+            <a:off x="3309912" y="5048441"/>
             <a:ext cx="5572176" cy="707886"/>
           </a:xfrm>
           <a:prstGeom prst="rect">
@@ -4313,7 +4272,7 @@
         </p:nvSpPr>
         <p:spPr>
           <a:xfrm>
-            <a:off x="3300437" y="1761018"/>
+            <a:off x="3300437" y="2195123"/>
             <a:ext cx="5591126" cy="707886"/>
           </a:xfrm>
           <a:prstGeom prst="rect">
@@ -4351,7 +4310,7 @@
         </p:nvSpPr>
         <p:spPr>
           <a:xfrm>
-            <a:off x="2995590" y="3663230"/>
+            <a:off x="2995590" y="4097335"/>
             <a:ext cx="6200820" cy="707886"/>
           </a:xfrm>
           <a:prstGeom prst="rect">
@@ -4393,7 +4352,7 @@
         </p:nvCxnSpPr>
         <p:spPr>
           <a:xfrm flipH="1">
-            <a:off x="6096000" y="628247"/>
+            <a:off x="6096000" y="1062352"/>
             <a:ext cx="1" cy="243220"/>
           </a:xfrm>
           <a:prstGeom prst="straightConnector1">
@@ -4439,7 +4398,7 @@
         </p:nvCxnSpPr>
         <p:spPr>
           <a:xfrm>
-            <a:off x="6096000" y="1517798"/>
+            <a:off x="6096000" y="1951903"/>
             <a:ext cx="0" cy="243220"/>
           </a:xfrm>
           <a:prstGeom prst="straightConnector1">
@@ -4485,7 +4444,7 @@
         </p:nvCxnSpPr>
         <p:spPr>
           <a:xfrm>
-            <a:off x="6096000" y="2468904"/>
+            <a:off x="6096000" y="2903009"/>
             <a:ext cx="1" cy="243220"/>
           </a:xfrm>
           <a:prstGeom prst="straightConnector1">
@@ -4531,7 +4490,7 @@
         </p:nvCxnSpPr>
         <p:spPr>
           <a:xfrm flipH="1">
-            <a:off x="6096000" y="3420010"/>
+            <a:off x="6096000" y="3854115"/>
             <a:ext cx="1" cy="243220"/>
           </a:xfrm>
           <a:prstGeom prst="straightConnector1">
@@ -4577,54 +4536,8 @@
         </p:nvCxnSpPr>
         <p:spPr>
           <a:xfrm>
-            <a:off x="6096000" y="4371116"/>
+            <a:off x="6096000" y="4805221"/>
             <a:ext cx="0" cy="243220"/>
-          </a:xfrm>
-          <a:prstGeom prst="straightConnector1">
-            <a:avLst/>
-          </a:prstGeom>
-          <a:ln w="28575">
-            <a:solidFill>
-              <a:schemeClr val="tx1"/>
-            </a:solidFill>
-            <a:tailEnd type="triangle"/>
-          </a:ln>
-        </p:spPr>
-        <p:style>
-          <a:lnRef idx="1">
-            <a:schemeClr val="accent1"/>
-          </a:lnRef>
-          <a:fillRef idx="0">
-            <a:schemeClr val="accent1"/>
-          </a:fillRef>
-          <a:effectRef idx="0">
-            <a:schemeClr val="accent1"/>
-          </a:effectRef>
-          <a:fontRef idx="minor">
-            <a:schemeClr val="tx1"/>
-          </a:fontRef>
-        </p:style>
-      </p:cxnSp>
-      <p:cxnSp>
-        <p:nvCxnSpPr>
-          <p:cNvPr id="60" name="Straight Arrow Connector 59">
-            <a:extLst>
-              <a:ext uri="{FF2B5EF4-FFF2-40B4-BE49-F238E27FC236}">
-                <a16:creationId xmlns:a16="http://schemas.microsoft.com/office/drawing/2014/main" id="{5D74A928-6F42-FB6A-D609-66F86E46A3B2}"/>
-              </a:ext>
-            </a:extLst>
-          </p:cNvPr>
-          <p:cNvCxnSpPr>
-            <a:cxnSpLocks/>
-            <a:stCxn id="17" idx="2"/>
-            <a:endCxn id="8" idx="0"/>
-          </p:cNvCxnSpPr>
-          <p:nvPr/>
-        </p:nvCxnSpPr>
-        <p:spPr>
-          <a:xfrm>
-            <a:off x="6096000" y="5322222"/>
-            <a:ext cx="1" cy="243218"/>
           </a:xfrm>
           <a:prstGeom prst="straightConnector1">
             <a:avLst/>
